--- a/14_ML_Bias/Bias_Presentation.pptx
+++ b/14_ML_Bias/Bias_Presentation.pptx
@@ -153,6 +153,397 @@
 
 <file path=ppt/changesInfos/changesInfo1.xml><?xml version="1.0" encoding="utf-8"?>
 <pc:chgInfo xmlns:a="http://schemas.openxmlformats.org/drawingml/2006/main" xmlns:r="http://schemas.openxmlformats.org/officeDocument/2006/relationships" xmlns:ac="http://schemas.microsoft.com/office/drawing/2013/main/command" xmlns:pc="http://schemas.microsoft.com/office/powerpoint/2013/main/command">
+  <pc:docChgLst>
+    <pc:chgData name="Brian Wright" userId="96d5632f86e1cb83" providerId="LiveId" clId="{434F6939-06D8-4E20-BB0B-6C7702416FA2}"/>
+    <pc:docChg chg="modSld">
+      <pc:chgData name="Brian Wright" userId="96d5632f86e1cb83" providerId="LiveId" clId="{434F6939-06D8-4E20-BB0B-6C7702416FA2}" dt="2020-07-17T19:10:54.185" v="6" actId="20577"/>
+      <pc:docMkLst>
+        <pc:docMk/>
+      </pc:docMkLst>
+      <pc:sldChg chg="modSp mod">
+        <pc:chgData name="Brian Wright" userId="96d5632f86e1cb83" providerId="LiveId" clId="{434F6939-06D8-4E20-BB0B-6C7702416FA2}" dt="2020-07-17T19:10:54.185" v="6" actId="20577"/>
+        <pc:sldMkLst>
+          <pc:docMk/>
+          <pc:sldMk cId="4011808980" sldId="259"/>
+        </pc:sldMkLst>
+        <pc:spChg chg="mod">
+          <ac:chgData name="Brian Wright" userId="96d5632f86e1cb83" providerId="LiveId" clId="{434F6939-06D8-4E20-BB0B-6C7702416FA2}" dt="2020-07-17T19:10:54.185" v="6" actId="20577"/>
+          <ac:spMkLst>
+            <pc:docMk/>
+            <pc:sldMk cId="4011808980" sldId="259"/>
+            <ac:spMk id="5" creationId="{00000000-0000-0000-0000-000000000000}"/>
+          </ac:spMkLst>
+        </pc:spChg>
+      </pc:sldChg>
+    </pc:docChg>
+  </pc:docChgLst>
+  <pc:docChgLst>
+    <pc:chgData name="Brian Wright" userId="96d5632f86e1cb83" providerId="LiveId" clId="{0C49B401-F570-4BC2-B770-FEC83B7CA807}"/>
+    <pc:docChg chg="undo custSel modSld">
+      <pc:chgData name="Brian Wright" userId="96d5632f86e1cb83" providerId="LiveId" clId="{0C49B401-F570-4BC2-B770-FEC83B7CA807}" dt="2021-12-01T17:12:55.315" v="98" actId="20577"/>
+      <pc:docMkLst>
+        <pc:docMk/>
+      </pc:docMkLst>
+      <pc:sldChg chg="modSp mod">
+        <pc:chgData name="Brian Wright" userId="96d5632f86e1cb83" providerId="LiveId" clId="{0C49B401-F570-4BC2-B770-FEC83B7CA807}" dt="2021-12-01T17:11:00.940" v="39" actId="20577"/>
+        <pc:sldMkLst>
+          <pc:docMk/>
+          <pc:sldMk cId="2490057310" sldId="290"/>
+        </pc:sldMkLst>
+        <pc:spChg chg="mod">
+          <ac:chgData name="Brian Wright" userId="96d5632f86e1cb83" providerId="LiveId" clId="{0C49B401-F570-4BC2-B770-FEC83B7CA807}" dt="2021-12-01T17:11:00.940" v="39" actId="20577"/>
+          <ac:spMkLst>
+            <pc:docMk/>
+            <pc:sldMk cId="2490057310" sldId="290"/>
+            <ac:spMk id="5" creationId="{A4182B40-F4A7-4918-8A04-CAC9CC0137A9}"/>
+          </ac:spMkLst>
+        </pc:spChg>
+      </pc:sldChg>
+      <pc:sldChg chg="modSp mod">
+        <pc:chgData name="Brian Wright" userId="96d5632f86e1cb83" providerId="LiveId" clId="{0C49B401-F570-4BC2-B770-FEC83B7CA807}" dt="2021-12-01T17:12:55.315" v="98" actId="20577"/>
+        <pc:sldMkLst>
+          <pc:docMk/>
+          <pc:sldMk cId="4051118191" sldId="291"/>
+        </pc:sldMkLst>
+        <pc:spChg chg="mod">
+          <ac:chgData name="Brian Wright" userId="96d5632f86e1cb83" providerId="LiveId" clId="{0C49B401-F570-4BC2-B770-FEC83B7CA807}" dt="2021-12-01T17:12:55.315" v="98" actId="20577"/>
+          <ac:spMkLst>
+            <pc:docMk/>
+            <pc:sldMk cId="4051118191" sldId="291"/>
+            <ac:spMk id="5" creationId="{A4182B40-F4A7-4918-8A04-CAC9CC0137A9}"/>
+          </ac:spMkLst>
+        </pc:spChg>
+      </pc:sldChg>
+    </pc:docChg>
+  </pc:docChgLst>
+  <pc:docChgLst>
+    <pc:chgData name="Brian Wright" userId="96d5632f86e1cb83" providerId="LiveId" clId="{AF7DFD64-1B81-4C89-AD01-571CFB44964D}"/>
+    <pc:docChg chg="addSld modSld">
+      <pc:chgData name="Brian Wright" userId="96d5632f86e1cb83" providerId="LiveId" clId="{AF7DFD64-1B81-4C89-AD01-571CFB44964D}" dt="2020-11-02T00:07:08.322" v="36" actId="1076"/>
+      <pc:docMkLst>
+        <pc:docMk/>
+      </pc:docMkLst>
+      <pc:sldChg chg="delSp modSp add mod">
+        <pc:chgData name="Brian Wright" userId="96d5632f86e1cb83" providerId="LiveId" clId="{AF7DFD64-1B81-4C89-AD01-571CFB44964D}" dt="2020-11-02T00:07:08.322" v="36" actId="1076"/>
+        <pc:sldMkLst>
+          <pc:docMk/>
+          <pc:sldMk cId="799286380" sldId="366"/>
+        </pc:sldMkLst>
+        <pc:spChg chg="mod">
+          <ac:chgData name="Brian Wright" userId="96d5632f86e1cb83" providerId="LiveId" clId="{AF7DFD64-1B81-4C89-AD01-571CFB44964D}" dt="2020-11-02T00:07:08.322" v="36" actId="1076"/>
+          <ac:spMkLst>
+            <pc:docMk/>
+            <pc:sldMk cId="799286380" sldId="366"/>
+            <ac:spMk id="2" creationId="{00000000-0000-0000-0000-000000000000}"/>
+          </ac:spMkLst>
+        </pc:spChg>
+        <pc:grpChg chg="del mod">
+          <ac:chgData name="Brian Wright" userId="96d5632f86e1cb83" providerId="LiveId" clId="{AF7DFD64-1B81-4C89-AD01-571CFB44964D}" dt="2020-11-02T00:06:57.350" v="31"/>
+          <ac:grpSpMkLst>
+            <pc:docMk/>
+            <pc:sldMk cId="799286380" sldId="366"/>
+            <ac:grpSpMk id="85" creationId="{FA348E7B-7917-41C8-AC93-EC7FCCA54D62}"/>
+          </ac:grpSpMkLst>
+        </pc:grpChg>
+        <pc:grpChg chg="del mod">
+          <ac:chgData name="Brian Wright" userId="96d5632f86e1cb83" providerId="LiveId" clId="{AF7DFD64-1B81-4C89-AD01-571CFB44964D}" dt="2020-11-02T00:06:57.348" v="29"/>
+          <ac:grpSpMkLst>
+            <pc:docMk/>
+            <pc:sldMk cId="799286380" sldId="366"/>
+            <ac:grpSpMk id="102" creationId="{F586E1F3-5AF6-4269-B472-DCAEFC336E4D}"/>
+          </ac:grpSpMkLst>
+        </pc:grpChg>
+        <pc:grpChg chg="del mod">
+          <ac:chgData name="Brian Wright" userId="96d5632f86e1cb83" providerId="LiveId" clId="{AF7DFD64-1B81-4C89-AD01-571CFB44964D}" dt="2020-11-02T00:06:57.341" v="15"/>
+          <ac:grpSpMkLst>
+            <pc:docMk/>
+            <pc:sldMk cId="799286380" sldId="366"/>
+            <ac:grpSpMk id="105" creationId="{60A49C1C-BB4F-46ED-9A6F-4DD60A2A14E4}"/>
+          </ac:grpSpMkLst>
+        </pc:grpChg>
+        <pc:grpChg chg="del mod">
+          <ac:chgData name="Brian Wright" userId="96d5632f86e1cb83" providerId="LiveId" clId="{AF7DFD64-1B81-4C89-AD01-571CFB44964D}" dt="2020-11-02T00:06:57.345" v="23"/>
+          <ac:grpSpMkLst>
+            <pc:docMk/>
+            <pc:sldMk cId="799286380" sldId="366"/>
+            <ac:grpSpMk id="108" creationId="{57CD29EF-E2CE-4741-9C7B-FD1BDAD9FB14}"/>
+          </ac:grpSpMkLst>
+        </pc:grpChg>
+        <pc:inkChg chg="del">
+          <ac:chgData name="Brian Wright" userId="96d5632f86e1cb83" providerId="LiveId" clId="{AF7DFD64-1B81-4C89-AD01-571CFB44964D}" dt="2020-11-02T00:06:57.328" v="1"/>
+          <ac:inkMkLst>
+            <pc:docMk/>
+            <pc:sldMk cId="799286380" sldId="366"/>
+            <ac:inkMk id="49" creationId="{B6671EE3-0B39-4028-BC1E-160389B59B6B}"/>
+          </ac:inkMkLst>
+        </pc:inkChg>
+        <pc:inkChg chg="del">
+          <ac:chgData name="Brian Wright" userId="96d5632f86e1cb83" providerId="LiveId" clId="{AF7DFD64-1B81-4C89-AD01-571CFB44964D}" dt="2020-11-02T00:06:57.347" v="28"/>
+          <ac:inkMkLst>
+            <pc:docMk/>
+            <pc:sldMk cId="799286380" sldId="366"/>
+            <ac:inkMk id="64" creationId="{9994D298-4980-461E-92BD-EFE6F46C348E}"/>
+          </ac:inkMkLst>
+        </pc:inkChg>
+        <pc:inkChg chg="del">
+          <ac:chgData name="Brian Wright" userId="96d5632f86e1cb83" providerId="LiveId" clId="{AF7DFD64-1B81-4C89-AD01-571CFB44964D}" dt="2020-11-02T00:06:57.342" v="17"/>
+          <ac:inkMkLst>
+            <pc:docMk/>
+            <pc:sldMk cId="799286380" sldId="366"/>
+            <ac:inkMk id="65" creationId="{7C0958A8-EAE4-4E71-8883-38288E7C61D7}"/>
+          </ac:inkMkLst>
+        </pc:inkChg>
+        <pc:inkChg chg="del">
+          <ac:chgData name="Brian Wright" userId="96d5632f86e1cb83" providerId="LiveId" clId="{AF7DFD64-1B81-4C89-AD01-571CFB44964D}" dt="2020-11-02T00:06:57.336" v="5"/>
+          <ac:inkMkLst>
+            <pc:docMk/>
+            <pc:sldMk cId="799286380" sldId="366"/>
+            <ac:inkMk id="66" creationId="{9703ACF5-2DFA-4C96-A2E6-30073646332D}"/>
+          </ac:inkMkLst>
+        </pc:inkChg>
+        <pc:inkChg chg="del mod">
+          <ac:chgData name="Brian Wright" userId="96d5632f86e1cb83" providerId="LiveId" clId="{AF7DFD64-1B81-4C89-AD01-571CFB44964D}" dt="2020-11-02T00:06:57.349" v="30"/>
+          <ac:inkMkLst>
+            <pc:docMk/>
+            <pc:sldMk cId="799286380" sldId="366"/>
+            <ac:inkMk id="68" creationId="{253CAEDD-F568-4ED2-9890-B5B3F215A0BD}"/>
+          </ac:inkMkLst>
+        </pc:inkChg>
+        <pc:inkChg chg="del mod">
+          <ac:chgData name="Brian Wright" userId="96d5632f86e1cb83" providerId="LiveId" clId="{AF7DFD64-1B81-4C89-AD01-571CFB44964D}" dt="2020-11-02T00:06:57.350" v="31"/>
+          <ac:inkMkLst>
+            <pc:docMk/>
+            <pc:sldMk cId="799286380" sldId="366"/>
+            <ac:inkMk id="69" creationId="{469113C2-C587-44D8-BDD8-F43866D77E53}"/>
+          </ac:inkMkLst>
+        </pc:inkChg>
+        <pc:inkChg chg="del mod">
+          <ac:chgData name="Brian Wright" userId="96d5632f86e1cb83" providerId="LiveId" clId="{AF7DFD64-1B81-4C89-AD01-571CFB44964D}" dt="2020-11-02T00:06:57.353" v="33"/>
+          <ac:inkMkLst>
+            <pc:docMk/>
+            <pc:sldMk cId="799286380" sldId="366"/>
+            <ac:inkMk id="70" creationId="{CCF91B73-0EA1-4001-A492-F7F2F4CD61CA}"/>
+          </ac:inkMkLst>
+        </pc:inkChg>
+        <pc:inkChg chg="del mod">
+          <ac:chgData name="Brian Wright" userId="96d5632f86e1cb83" providerId="LiveId" clId="{AF7DFD64-1B81-4C89-AD01-571CFB44964D}" dt="2020-11-02T00:06:57.346" v="26"/>
+          <ac:inkMkLst>
+            <pc:docMk/>
+            <pc:sldMk cId="799286380" sldId="366"/>
+            <ac:inkMk id="71" creationId="{0E8900B2-B533-4C1E-9E1B-AFC9F0B1C1F6}"/>
+          </ac:inkMkLst>
+        </pc:inkChg>
+        <pc:inkChg chg="del mod">
+          <ac:chgData name="Brian Wright" userId="96d5632f86e1cb83" providerId="LiveId" clId="{AF7DFD64-1B81-4C89-AD01-571CFB44964D}" dt="2020-11-02T00:06:57.340" v="13"/>
+          <ac:inkMkLst>
+            <pc:docMk/>
+            <pc:sldMk cId="799286380" sldId="366"/>
+            <ac:inkMk id="72" creationId="{11B80D8D-A4EC-47D8-BB99-C798064D9A2C}"/>
+          </ac:inkMkLst>
+        </pc:inkChg>
+        <pc:inkChg chg="del mod">
+          <ac:chgData name="Brian Wright" userId="96d5632f86e1cb83" providerId="LiveId" clId="{AF7DFD64-1B81-4C89-AD01-571CFB44964D}" dt="2020-11-02T00:06:57.342" v="16"/>
+          <ac:inkMkLst>
+            <pc:docMk/>
+            <pc:sldMk cId="799286380" sldId="366"/>
+            <ac:inkMk id="73" creationId="{BD83A573-2015-4A20-AA79-AF3FCAD6AB51}"/>
+          </ac:inkMkLst>
+        </pc:inkChg>
+        <pc:inkChg chg="del mod">
+          <ac:chgData name="Brian Wright" userId="96d5632f86e1cb83" providerId="LiveId" clId="{AF7DFD64-1B81-4C89-AD01-571CFB44964D}" dt="2020-11-02T00:06:57.337" v="6"/>
+          <ac:inkMkLst>
+            <pc:docMk/>
+            <pc:sldMk cId="799286380" sldId="366"/>
+            <ac:inkMk id="74" creationId="{F61B52EA-C150-4B0C-AA6D-2DD9BBB23816}"/>
+          </ac:inkMkLst>
+        </pc:inkChg>
+        <pc:inkChg chg="del mod">
+          <ac:chgData name="Brian Wright" userId="96d5632f86e1cb83" providerId="LiveId" clId="{AF7DFD64-1B81-4C89-AD01-571CFB44964D}" dt="2020-11-02T00:06:57.339" v="10"/>
+          <ac:inkMkLst>
+            <pc:docMk/>
+            <pc:sldMk cId="799286380" sldId="366"/>
+            <ac:inkMk id="75" creationId="{FFC2A985-C191-4B0A-93FC-D2A78C4E6796}"/>
+          </ac:inkMkLst>
+        </pc:inkChg>
+        <pc:inkChg chg="del mod">
+          <ac:chgData name="Brian Wright" userId="96d5632f86e1cb83" providerId="LiveId" clId="{AF7DFD64-1B81-4C89-AD01-571CFB44964D}" dt="2020-11-02T00:06:57.343" v="20"/>
+          <ac:inkMkLst>
+            <pc:docMk/>
+            <pc:sldMk cId="799286380" sldId="366"/>
+            <ac:inkMk id="76" creationId="{71520E12-FF99-48EF-BB70-06258AA19B10}"/>
+          </ac:inkMkLst>
+        </pc:inkChg>
+        <pc:inkChg chg="del">
+          <ac:chgData name="Brian Wright" userId="96d5632f86e1cb83" providerId="LiveId" clId="{AF7DFD64-1B81-4C89-AD01-571CFB44964D}" dt="2020-11-02T00:06:57.343" v="19"/>
+          <ac:inkMkLst>
+            <pc:docMk/>
+            <pc:sldMk cId="799286380" sldId="366"/>
+            <ac:inkMk id="79" creationId="{DDB7784E-D50B-43B8-B6FA-D5BB4306488B}"/>
+          </ac:inkMkLst>
+        </pc:inkChg>
+        <pc:inkChg chg="del mod">
+          <ac:chgData name="Brian Wright" userId="96d5632f86e1cb83" providerId="LiveId" clId="{AF7DFD64-1B81-4C89-AD01-571CFB44964D}" dt="2020-11-02T00:06:57.339" v="11"/>
+          <ac:inkMkLst>
+            <pc:docMk/>
+            <pc:sldMk cId="799286380" sldId="366"/>
+            <ac:inkMk id="81" creationId="{C96411A8-C5B8-4B7E-A207-BDC45B118584}"/>
+          </ac:inkMkLst>
+        </pc:inkChg>
+        <pc:inkChg chg="del mod">
+          <ac:chgData name="Brian Wright" userId="96d5632f86e1cb83" providerId="LiveId" clId="{AF7DFD64-1B81-4C89-AD01-571CFB44964D}" dt="2020-11-02T00:06:57.338" v="9"/>
+          <ac:inkMkLst>
+            <pc:docMk/>
+            <pc:sldMk cId="799286380" sldId="366"/>
+            <ac:inkMk id="83" creationId="{11D072F0-9CEF-42D3-8BCB-44FAE260BD62}"/>
+          </ac:inkMkLst>
+        </pc:inkChg>
+        <pc:inkChg chg="del">
+          <ac:chgData name="Brian Wright" userId="96d5632f86e1cb83" providerId="LiveId" clId="{AF7DFD64-1B81-4C89-AD01-571CFB44964D}" dt="2020-11-02T00:06:57.335" v="4"/>
+          <ac:inkMkLst>
+            <pc:docMk/>
+            <pc:sldMk cId="799286380" sldId="366"/>
+            <ac:inkMk id="84" creationId="{819DA4F9-7B6C-4DF0-8C3C-4891BC0A17DA}"/>
+          </ac:inkMkLst>
+        </pc:inkChg>
+        <pc:inkChg chg="del mod">
+          <ac:chgData name="Brian Wright" userId="96d5632f86e1cb83" providerId="LiveId" clId="{AF7DFD64-1B81-4C89-AD01-571CFB44964D}" dt="2020-11-02T00:06:57.334" v="3"/>
+          <ac:inkMkLst>
+            <pc:docMk/>
+            <pc:sldMk cId="799286380" sldId="366"/>
+            <ac:inkMk id="86" creationId="{9BEBA685-4848-4C57-B072-0EE6557E49A3}"/>
+          </ac:inkMkLst>
+        </pc:inkChg>
+        <pc:inkChg chg="mod">
+          <ac:chgData name="Brian Wright" userId="96d5632f86e1cb83" providerId="LiveId" clId="{AF7DFD64-1B81-4C89-AD01-571CFB44964D}" dt="2020-11-02T00:06:57.348" v="29"/>
+          <ac:inkMkLst>
+            <pc:docMk/>
+            <pc:sldMk cId="799286380" sldId="366"/>
+            <ac:inkMk id="87" creationId="{6A663FC1-E84E-4584-A4F6-AE29E8953CC1}"/>
+          </ac:inkMkLst>
+        </pc:inkChg>
+        <pc:inkChg chg="del mod">
+          <ac:chgData name="Brian Wright" userId="96d5632f86e1cb83" providerId="LiveId" clId="{AF7DFD64-1B81-4C89-AD01-571CFB44964D}" dt="2020-11-02T00:06:57.344" v="21"/>
+          <ac:inkMkLst>
+            <pc:docMk/>
+            <pc:sldMk cId="799286380" sldId="366"/>
+            <ac:inkMk id="88" creationId="{FFEB4125-E088-4042-9F19-3555DAAEE3F0}"/>
+          </ac:inkMkLst>
+        </pc:inkChg>
+        <pc:inkChg chg="del mod">
+          <ac:chgData name="Brian Wright" userId="96d5632f86e1cb83" providerId="LiveId" clId="{AF7DFD64-1B81-4C89-AD01-571CFB44964D}" dt="2020-11-02T00:06:57.343" v="18"/>
+          <ac:inkMkLst>
+            <pc:docMk/>
+            <pc:sldMk cId="799286380" sldId="366"/>
+            <ac:inkMk id="90" creationId="{EBF03FB8-FC66-4AF9-8B5D-1A7CA904287F}"/>
+          </ac:inkMkLst>
+        </pc:inkChg>
+        <pc:inkChg chg="del mod">
+          <ac:chgData name="Brian Wright" userId="96d5632f86e1cb83" providerId="LiveId" clId="{AF7DFD64-1B81-4C89-AD01-571CFB44964D}" dt="2020-11-02T00:06:57.340" v="14"/>
+          <ac:inkMkLst>
+            <pc:docMk/>
+            <pc:sldMk cId="799286380" sldId="366"/>
+            <ac:inkMk id="91" creationId="{9F79F1A2-C276-4905-BE64-A312F2698AEF}"/>
+          </ac:inkMkLst>
+        </pc:inkChg>
+        <pc:inkChg chg="del mod">
+          <ac:chgData name="Brian Wright" userId="96d5632f86e1cb83" providerId="LiveId" clId="{AF7DFD64-1B81-4C89-AD01-571CFB44964D}" dt="2020-11-02T00:06:57.339" v="12"/>
+          <ac:inkMkLst>
+            <pc:docMk/>
+            <pc:sldMk cId="799286380" sldId="366"/>
+            <ac:inkMk id="92" creationId="{B4565CBA-E42A-4865-A8A3-CCA4FAF96AAE}"/>
+          </ac:inkMkLst>
+        </pc:inkChg>
+        <pc:inkChg chg="del mod">
+          <ac:chgData name="Brian Wright" userId="96d5632f86e1cb83" providerId="LiveId" clId="{AF7DFD64-1B81-4C89-AD01-571CFB44964D}" dt="2020-11-02T00:06:57.337" v="7"/>
+          <ac:inkMkLst>
+            <pc:docMk/>
+            <pc:sldMk cId="799286380" sldId="366"/>
+            <ac:inkMk id="93" creationId="{C55ADD64-04FF-4F86-BFF9-EEB06E4BF033}"/>
+          </ac:inkMkLst>
+        </pc:inkChg>
+        <pc:inkChg chg="del mod">
+          <ac:chgData name="Brian Wright" userId="96d5632f86e1cb83" providerId="LiveId" clId="{AF7DFD64-1B81-4C89-AD01-571CFB44964D}" dt="2020-11-02T00:06:57.344" v="22"/>
+          <ac:inkMkLst>
+            <pc:docMk/>
+            <pc:sldMk cId="799286380" sldId="366"/>
+            <ac:inkMk id="94" creationId="{3425C1D4-ECB9-438D-8801-9340C5458B9A}"/>
+          </ac:inkMkLst>
+        </pc:inkChg>
+        <pc:inkChg chg="del">
+          <ac:chgData name="Brian Wright" userId="96d5632f86e1cb83" providerId="LiveId" clId="{AF7DFD64-1B81-4C89-AD01-571CFB44964D}" dt="2020-11-02T00:06:57.346" v="25"/>
+          <ac:inkMkLst>
+            <pc:docMk/>
+            <pc:sldMk cId="799286380" sldId="366"/>
+            <ac:inkMk id="96" creationId="{4907C457-BD75-48F5-88E8-D61D2F3AFD38}"/>
+          </ac:inkMkLst>
+        </pc:inkChg>
+        <pc:inkChg chg="del mod">
+          <ac:chgData name="Brian Wright" userId="96d5632f86e1cb83" providerId="LiveId" clId="{AF7DFD64-1B81-4C89-AD01-571CFB44964D}" dt="2020-11-02T00:06:57.347" v="27"/>
+          <ac:inkMkLst>
+            <pc:docMk/>
+            <pc:sldMk cId="799286380" sldId="366"/>
+            <ac:inkMk id="98" creationId="{DDC96D1B-9983-4AB6-965B-5632C3DBC389}"/>
+          </ac:inkMkLst>
+        </pc:inkChg>
+        <pc:inkChg chg="del mod">
+          <ac:chgData name="Brian Wright" userId="96d5632f86e1cb83" providerId="LiveId" clId="{AF7DFD64-1B81-4C89-AD01-571CFB44964D}" dt="2020-11-02T00:06:57.348" v="29"/>
+          <ac:inkMkLst>
+            <pc:docMk/>
+            <pc:sldMk cId="799286380" sldId="366"/>
+            <ac:inkMk id="99" creationId="{3EEC254A-1435-4B70-A927-A4AF6340A77A}"/>
+          </ac:inkMkLst>
+        </pc:inkChg>
+        <pc:inkChg chg="del mod">
+          <ac:chgData name="Brian Wright" userId="96d5632f86e1cb83" providerId="LiveId" clId="{AF7DFD64-1B81-4C89-AD01-571CFB44964D}" dt="2020-11-02T00:06:57.338" v="8"/>
+          <ac:inkMkLst>
+            <pc:docMk/>
+            <pc:sldMk cId="799286380" sldId="366"/>
+            <ac:inkMk id="100" creationId="{5E499CBD-5CF2-47E7-B8AD-78CFF0E78DD3}"/>
+          </ac:inkMkLst>
+        </pc:inkChg>
+        <pc:inkChg chg="del">
+          <ac:chgData name="Brian Wright" userId="96d5632f86e1cb83" providerId="LiveId" clId="{AF7DFD64-1B81-4C89-AD01-571CFB44964D}" dt="2020-11-02T00:06:57.332" v="2"/>
+          <ac:inkMkLst>
+            <pc:docMk/>
+            <pc:sldMk cId="799286380" sldId="366"/>
+            <ac:inkMk id="101" creationId="{F3553B5F-0FD5-4C31-B7D6-9A628D72108A}"/>
+          </ac:inkMkLst>
+        </pc:inkChg>
+        <pc:inkChg chg="del mod">
+          <ac:chgData name="Brian Wright" userId="96d5632f86e1cb83" providerId="LiveId" clId="{AF7DFD64-1B81-4C89-AD01-571CFB44964D}" dt="2020-11-02T00:06:57.351" v="32"/>
+          <ac:inkMkLst>
+            <pc:docMk/>
+            <pc:sldMk cId="799286380" sldId="366"/>
+            <ac:inkMk id="103" creationId="{F2047F7B-0008-4F89-A437-548D1D84871E}"/>
+          </ac:inkMkLst>
+        </pc:inkChg>
+        <pc:inkChg chg="del">
+          <ac:chgData name="Brian Wright" userId="96d5632f86e1cb83" providerId="LiveId" clId="{AF7DFD64-1B81-4C89-AD01-571CFB44964D}" dt="2020-11-02T00:06:57.341" v="15"/>
+          <ac:inkMkLst>
+            <pc:docMk/>
+            <pc:sldMk cId="799286380" sldId="366"/>
+            <ac:inkMk id="104" creationId="{B0FEBF09-A50B-40D1-B5E9-CB1DF96BCC75}"/>
+          </ac:inkMkLst>
+        </pc:inkChg>
+        <pc:inkChg chg="del mod">
+          <ac:chgData name="Brian Wright" userId="96d5632f86e1cb83" providerId="LiveId" clId="{AF7DFD64-1B81-4C89-AD01-571CFB44964D}" dt="2020-11-02T00:06:57.345" v="24"/>
+          <ac:inkMkLst>
+            <pc:docMk/>
+            <pc:sldMk cId="799286380" sldId="366"/>
+            <ac:inkMk id="106" creationId="{1A1D5035-91BF-4DD7-B880-F256662D928E}"/>
+          </ac:inkMkLst>
+        </pc:inkChg>
+        <pc:inkChg chg="del">
+          <ac:chgData name="Brian Wright" userId="96d5632f86e1cb83" providerId="LiveId" clId="{AF7DFD64-1B81-4C89-AD01-571CFB44964D}" dt="2020-11-02T00:06:57.345" v="23"/>
+          <ac:inkMkLst>
+            <pc:docMk/>
+            <pc:sldMk cId="799286380" sldId="366"/>
+            <ac:inkMk id="107" creationId="{0F5FFA2C-F45D-4615-8931-0D22AFB4B98A}"/>
+          </ac:inkMkLst>
+        </pc:inkChg>
+      </pc:sldChg>
+    </pc:docChg>
+  </pc:docChgLst>
   <pc:docChgLst>
     <pc:chgData name="Brian Wright" userId="96d5632f86e1cb83" providerId="LiveId" clId="{8ADE560F-198B-4D08-9108-57EC92C8EC46}"/>
     <pc:docChg chg="undo custSel addSld delSld modSld sldOrd">
@@ -1394,397 +1785,6 @@
       </pc:sldChg>
     </pc:docChg>
   </pc:docChgLst>
-  <pc:docChgLst>
-    <pc:chgData name="Brian Wright" userId="96d5632f86e1cb83" providerId="LiveId" clId="{0C49B401-F570-4BC2-B770-FEC83B7CA807}"/>
-    <pc:docChg chg="undo custSel modSld">
-      <pc:chgData name="Brian Wright" userId="96d5632f86e1cb83" providerId="LiveId" clId="{0C49B401-F570-4BC2-B770-FEC83B7CA807}" dt="2021-12-01T17:12:55.315" v="98" actId="20577"/>
-      <pc:docMkLst>
-        <pc:docMk/>
-      </pc:docMkLst>
-      <pc:sldChg chg="modSp mod">
-        <pc:chgData name="Brian Wright" userId="96d5632f86e1cb83" providerId="LiveId" clId="{0C49B401-F570-4BC2-B770-FEC83B7CA807}" dt="2021-12-01T17:11:00.940" v="39" actId="20577"/>
-        <pc:sldMkLst>
-          <pc:docMk/>
-          <pc:sldMk cId="2490057310" sldId="290"/>
-        </pc:sldMkLst>
-        <pc:spChg chg="mod">
-          <ac:chgData name="Brian Wright" userId="96d5632f86e1cb83" providerId="LiveId" clId="{0C49B401-F570-4BC2-B770-FEC83B7CA807}" dt="2021-12-01T17:11:00.940" v="39" actId="20577"/>
-          <ac:spMkLst>
-            <pc:docMk/>
-            <pc:sldMk cId="2490057310" sldId="290"/>
-            <ac:spMk id="5" creationId="{A4182B40-F4A7-4918-8A04-CAC9CC0137A9}"/>
-          </ac:spMkLst>
-        </pc:spChg>
-      </pc:sldChg>
-      <pc:sldChg chg="modSp mod">
-        <pc:chgData name="Brian Wright" userId="96d5632f86e1cb83" providerId="LiveId" clId="{0C49B401-F570-4BC2-B770-FEC83B7CA807}" dt="2021-12-01T17:12:55.315" v="98" actId="20577"/>
-        <pc:sldMkLst>
-          <pc:docMk/>
-          <pc:sldMk cId="4051118191" sldId="291"/>
-        </pc:sldMkLst>
-        <pc:spChg chg="mod">
-          <ac:chgData name="Brian Wright" userId="96d5632f86e1cb83" providerId="LiveId" clId="{0C49B401-F570-4BC2-B770-FEC83B7CA807}" dt="2021-12-01T17:12:55.315" v="98" actId="20577"/>
-          <ac:spMkLst>
-            <pc:docMk/>
-            <pc:sldMk cId="4051118191" sldId="291"/>
-            <ac:spMk id="5" creationId="{A4182B40-F4A7-4918-8A04-CAC9CC0137A9}"/>
-          </ac:spMkLst>
-        </pc:spChg>
-      </pc:sldChg>
-    </pc:docChg>
-  </pc:docChgLst>
-  <pc:docChgLst>
-    <pc:chgData name="Brian Wright" userId="96d5632f86e1cb83" providerId="LiveId" clId="{AF7DFD64-1B81-4C89-AD01-571CFB44964D}"/>
-    <pc:docChg chg="addSld modSld">
-      <pc:chgData name="Brian Wright" userId="96d5632f86e1cb83" providerId="LiveId" clId="{AF7DFD64-1B81-4C89-AD01-571CFB44964D}" dt="2020-11-02T00:07:08.322" v="36" actId="1076"/>
-      <pc:docMkLst>
-        <pc:docMk/>
-      </pc:docMkLst>
-      <pc:sldChg chg="delSp modSp add mod">
-        <pc:chgData name="Brian Wright" userId="96d5632f86e1cb83" providerId="LiveId" clId="{AF7DFD64-1B81-4C89-AD01-571CFB44964D}" dt="2020-11-02T00:07:08.322" v="36" actId="1076"/>
-        <pc:sldMkLst>
-          <pc:docMk/>
-          <pc:sldMk cId="799286380" sldId="366"/>
-        </pc:sldMkLst>
-        <pc:spChg chg="mod">
-          <ac:chgData name="Brian Wright" userId="96d5632f86e1cb83" providerId="LiveId" clId="{AF7DFD64-1B81-4C89-AD01-571CFB44964D}" dt="2020-11-02T00:07:08.322" v="36" actId="1076"/>
-          <ac:spMkLst>
-            <pc:docMk/>
-            <pc:sldMk cId="799286380" sldId="366"/>
-            <ac:spMk id="2" creationId="{00000000-0000-0000-0000-000000000000}"/>
-          </ac:spMkLst>
-        </pc:spChg>
-        <pc:grpChg chg="del mod">
-          <ac:chgData name="Brian Wright" userId="96d5632f86e1cb83" providerId="LiveId" clId="{AF7DFD64-1B81-4C89-AD01-571CFB44964D}" dt="2020-11-02T00:06:57.350" v="31"/>
-          <ac:grpSpMkLst>
-            <pc:docMk/>
-            <pc:sldMk cId="799286380" sldId="366"/>
-            <ac:grpSpMk id="85" creationId="{FA348E7B-7917-41C8-AC93-EC7FCCA54D62}"/>
-          </ac:grpSpMkLst>
-        </pc:grpChg>
-        <pc:grpChg chg="del mod">
-          <ac:chgData name="Brian Wright" userId="96d5632f86e1cb83" providerId="LiveId" clId="{AF7DFD64-1B81-4C89-AD01-571CFB44964D}" dt="2020-11-02T00:06:57.348" v="29"/>
-          <ac:grpSpMkLst>
-            <pc:docMk/>
-            <pc:sldMk cId="799286380" sldId="366"/>
-            <ac:grpSpMk id="102" creationId="{F586E1F3-5AF6-4269-B472-DCAEFC336E4D}"/>
-          </ac:grpSpMkLst>
-        </pc:grpChg>
-        <pc:grpChg chg="del mod">
-          <ac:chgData name="Brian Wright" userId="96d5632f86e1cb83" providerId="LiveId" clId="{AF7DFD64-1B81-4C89-AD01-571CFB44964D}" dt="2020-11-02T00:06:57.341" v="15"/>
-          <ac:grpSpMkLst>
-            <pc:docMk/>
-            <pc:sldMk cId="799286380" sldId="366"/>
-            <ac:grpSpMk id="105" creationId="{60A49C1C-BB4F-46ED-9A6F-4DD60A2A14E4}"/>
-          </ac:grpSpMkLst>
-        </pc:grpChg>
-        <pc:grpChg chg="del mod">
-          <ac:chgData name="Brian Wright" userId="96d5632f86e1cb83" providerId="LiveId" clId="{AF7DFD64-1B81-4C89-AD01-571CFB44964D}" dt="2020-11-02T00:06:57.345" v="23"/>
-          <ac:grpSpMkLst>
-            <pc:docMk/>
-            <pc:sldMk cId="799286380" sldId="366"/>
-            <ac:grpSpMk id="108" creationId="{57CD29EF-E2CE-4741-9C7B-FD1BDAD9FB14}"/>
-          </ac:grpSpMkLst>
-        </pc:grpChg>
-        <pc:inkChg chg="del">
-          <ac:chgData name="Brian Wright" userId="96d5632f86e1cb83" providerId="LiveId" clId="{AF7DFD64-1B81-4C89-AD01-571CFB44964D}" dt="2020-11-02T00:06:57.328" v="1"/>
-          <ac:inkMkLst>
-            <pc:docMk/>
-            <pc:sldMk cId="799286380" sldId="366"/>
-            <ac:inkMk id="49" creationId="{B6671EE3-0B39-4028-BC1E-160389B59B6B}"/>
-          </ac:inkMkLst>
-        </pc:inkChg>
-        <pc:inkChg chg="del">
-          <ac:chgData name="Brian Wright" userId="96d5632f86e1cb83" providerId="LiveId" clId="{AF7DFD64-1B81-4C89-AD01-571CFB44964D}" dt="2020-11-02T00:06:57.347" v="28"/>
-          <ac:inkMkLst>
-            <pc:docMk/>
-            <pc:sldMk cId="799286380" sldId="366"/>
-            <ac:inkMk id="64" creationId="{9994D298-4980-461E-92BD-EFE6F46C348E}"/>
-          </ac:inkMkLst>
-        </pc:inkChg>
-        <pc:inkChg chg="del">
-          <ac:chgData name="Brian Wright" userId="96d5632f86e1cb83" providerId="LiveId" clId="{AF7DFD64-1B81-4C89-AD01-571CFB44964D}" dt="2020-11-02T00:06:57.342" v="17"/>
-          <ac:inkMkLst>
-            <pc:docMk/>
-            <pc:sldMk cId="799286380" sldId="366"/>
-            <ac:inkMk id="65" creationId="{7C0958A8-EAE4-4E71-8883-38288E7C61D7}"/>
-          </ac:inkMkLst>
-        </pc:inkChg>
-        <pc:inkChg chg="del">
-          <ac:chgData name="Brian Wright" userId="96d5632f86e1cb83" providerId="LiveId" clId="{AF7DFD64-1B81-4C89-AD01-571CFB44964D}" dt="2020-11-02T00:06:57.336" v="5"/>
-          <ac:inkMkLst>
-            <pc:docMk/>
-            <pc:sldMk cId="799286380" sldId="366"/>
-            <ac:inkMk id="66" creationId="{9703ACF5-2DFA-4C96-A2E6-30073646332D}"/>
-          </ac:inkMkLst>
-        </pc:inkChg>
-        <pc:inkChg chg="del mod">
-          <ac:chgData name="Brian Wright" userId="96d5632f86e1cb83" providerId="LiveId" clId="{AF7DFD64-1B81-4C89-AD01-571CFB44964D}" dt="2020-11-02T00:06:57.349" v="30"/>
-          <ac:inkMkLst>
-            <pc:docMk/>
-            <pc:sldMk cId="799286380" sldId="366"/>
-            <ac:inkMk id="68" creationId="{253CAEDD-F568-4ED2-9890-B5B3F215A0BD}"/>
-          </ac:inkMkLst>
-        </pc:inkChg>
-        <pc:inkChg chg="del mod">
-          <ac:chgData name="Brian Wright" userId="96d5632f86e1cb83" providerId="LiveId" clId="{AF7DFD64-1B81-4C89-AD01-571CFB44964D}" dt="2020-11-02T00:06:57.350" v="31"/>
-          <ac:inkMkLst>
-            <pc:docMk/>
-            <pc:sldMk cId="799286380" sldId="366"/>
-            <ac:inkMk id="69" creationId="{469113C2-C587-44D8-BDD8-F43866D77E53}"/>
-          </ac:inkMkLst>
-        </pc:inkChg>
-        <pc:inkChg chg="del mod">
-          <ac:chgData name="Brian Wright" userId="96d5632f86e1cb83" providerId="LiveId" clId="{AF7DFD64-1B81-4C89-AD01-571CFB44964D}" dt="2020-11-02T00:06:57.353" v="33"/>
-          <ac:inkMkLst>
-            <pc:docMk/>
-            <pc:sldMk cId="799286380" sldId="366"/>
-            <ac:inkMk id="70" creationId="{CCF91B73-0EA1-4001-A492-F7F2F4CD61CA}"/>
-          </ac:inkMkLst>
-        </pc:inkChg>
-        <pc:inkChg chg="del mod">
-          <ac:chgData name="Brian Wright" userId="96d5632f86e1cb83" providerId="LiveId" clId="{AF7DFD64-1B81-4C89-AD01-571CFB44964D}" dt="2020-11-02T00:06:57.346" v="26"/>
-          <ac:inkMkLst>
-            <pc:docMk/>
-            <pc:sldMk cId="799286380" sldId="366"/>
-            <ac:inkMk id="71" creationId="{0E8900B2-B533-4C1E-9E1B-AFC9F0B1C1F6}"/>
-          </ac:inkMkLst>
-        </pc:inkChg>
-        <pc:inkChg chg="del mod">
-          <ac:chgData name="Brian Wright" userId="96d5632f86e1cb83" providerId="LiveId" clId="{AF7DFD64-1B81-4C89-AD01-571CFB44964D}" dt="2020-11-02T00:06:57.340" v="13"/>
-          <ac:inkMkLst>
-            <pc:docMk/>
-            <pc:sldMk cId="799286380" sldId="366"/>
-            <ac:inkMk id="72" creationId="{11B80D8D-A4EC-47D8-BB99-C798064D9A2C}"/>
-          </ac:inkMkLst>
-        </pc:inkChg>
-        <pc:inkChg chg="del mod">
-          <ac:chgData name="Brian Wright" userId="96d5632f86e1cb83" providerId="LiveId" clId="{AF7DFD64-1B81-4C89-AD01-571CFB44964D}" dt="2020-11-02T00:06:57.342" v="16"/>
-          <ac:inkMkLst>
-            <pc:docMk/>
-            <pc:sldMk cId="799286380" sldId="366"/>
-            <ac:inkMk id="73" creationId="{BD83A573-2015-4A20-AA79-AF3FCAD6AB51}"/>
-          </ac:inkMkLst>
-        </pc:inkChg>
-        <pc:inkChg chg="del mod">
-          <ac:chgData name="Brian Wright" userId="96d5632f86e1cb83" providerId="LiveId" clId="{AF7DFD64-1B81-4C89-AD01-571CFB44964D}" dt="2020-11-02T00:06:57.337" v="6"/>
-          <ac:inkMkLst>
-            <pc:docMk/>
-            <pc:sldMk cId="799286380" sldId="366"/>
-            <ac:inkMk id="74" creationId="{F61B52EA-C150-4B0C-AA6D-2DD9BBB23816}"/>
-          </ac:inkMkLst>
-        </pc:inkChg>
-        <pc:inkChg chg="del mod">
-          <ac:chgData name="Brian Wright" userId="96d5632f86e1cb83" providerId="LiveId" clId="{AF7DFD64-1B81-4C89-AD01-571CFB44964D}" dt="2020-11-02T00:06:57.339" v="10"/>
-          <ac:inkMkLst>
-            <pc:docMk/>
-            <pc:sldMk cId="799286380" sldId="366"/>
-            <ac:inkMk id="75" creationId="{FFC2A985-C191-4B0A-93FC-D2A78C4E6796}"/>
-          </ac:inkMkLst>
-        </pc:inkChg>
-        <pc:inkChg chg="del mod">
-          <ac:chgData name="Brian Wright" userId="96d5632f86e1cb83" providerId="LiveId" clId="{AF7DFD64-1B81-4C89-AD01-571CFB44964D}" dt="2020-11-02T00:06:57.343" v="20"/>
-          <ac:inkMkLst>
-            <pc:docMk/>
-            <pc:sldMk cId="799286380" sldId="366"/>
-            <ac:inkMk id="76" creationId="{71520E12-FF99-48EF-BB70-06258AA19B10}"/>
-          </ac:inkMkLst>
-        </pc:inkChg>
-        <pc:inkChg chg="del">
-          <ac:chgData name="Brian Wright" userId="96d5632f86e1cb83" providerId="LiveId" clId="{AF7DFD64-1B81-4C89-AD01-571CFB44964D}" dt="2020-11-02T00:06:57.343" v="19"/>
-          <ac:inkMkLst>
-            <pc:docMk/>
-            <pc:sldMk cId="799286380" sldId="366"/>
-            <ac:inkMk id="79" creationId="{DDB7784E-D50B-43B8-B6FA-D5BB4306488B}"/>
-          </ac:inkMkLst>
-        </pc:inkChg>
-        <pc:inkChg chg="del mod">
-          <ac:chgData name="Brian Wright" userId="96d5632f86e1cb83" providerId="LiveId" clId="{AF7DFD64-1B81-4C89-AD01-571CFB44964D}" dt="2020-11-02T00:06:57.339" v="11"/>
-          <ac:inkMkLst>
-            <pc:docMk/>
-            <pc:sldMk cId="799286380" sldId="366"/>
-            <ac:inkMk id="81" creationId="{C96411A8-C5B8-4B7E-A207-BDC45B118584}"/>
-          </ac:inkMkLst>
-        </pc:inkChg>
-        <pc:inkChg chg="del mod">
-          <ac:chgData name="Brian Wright" userId="96d5632f86e1cb83" providerId="LiveId" clId="{AF7DFD64-1B81-4C89-AD01-571CFB44964D}" dt="2020-11-02T00:06:57.338" v="9"/>
-          <ac:inkMkLst>
-            <pc:docMk/>
-            <pc:sldMk cId="799286380" sldId="366"/>
-            <ac:inkMk id="83" creationId="{11D072F0-9CEF-42D3-8BCB-44FAE260BD62}"/>
-          </ac:inkMkLst>
-        </pc:inkChg>
-        <pc:inkChg chg="del">
-          <ac:chgData name="Brian Wright" userId="96d5632f86e1cb83" providerId="LiveId" clId="{AF7DFD64-1B81-4C89-AD01-571CFB44964D}" dt="2020-11-02T00:06:57.335" v="4"/>
-          <ac:inkMkLst>
-            <pc:docMk/>
-            <pc:sldMk cId="799286380" sldId="366"/>
-            <ac:inkMk id="84" creationId="{819DA4F9-7B6C-4DF0-8C3C-4891BC0A17DA}"/>
-          </ac:inkMkLst>
-        </pc:inkChg>
-        <pc:inkChg chg="del mod">
-          <ac:chgData name="Brian Wright" userId="96d5632f86e1cb83" providerId="LiveId" clId="{AF7DFD64-1B81-4C89-AD01-571CFB44964D}" dt="2020-11-02T00:06:57.334" v="3"/>
-          <ac:inkMkLst>
-            <pc:docMk/>
-            <pc:sldMk cId="799286380" sldId="366"/>
-            <ac:inkMk id="86" creationId="{9BEBA685-4848-4C57-B072-0EE6557E49A3}"/>
-          </ac:inkMkLst>
-        </pc:inkChg>
-        <pc:inkChg chg="mod">
-          <ac:chgData name="Brian Wright" userId="96d5632f86e1cb83" providerId="LiveId" clId="{AF7DFD64-1B81-4C89-AD01-571CFB44964D}" dt="2020-11-02T00:06:57.348" v="29"/>
-          <ac:inkMkLst>
-            <pc:docMk/>
-            <pc:sldMk cId="799286380" sldId="366"/>
-            <ac:inkMk id="87" creationId="{6A663FC1-E84E-4584-A4F6-AE29E8953CC1}"/>
-          </ac:inkMkLst>
-        </pc:inkChg>
-        <pc:inkChg chg="del mod">
-          <ac:chgData name="Brian Wright" userId="96d5632f86e1cb83" providerId="LiveId" clId="{AF7DFD64-1B81-4C89-AD01-571CFB44964D}" dt="2020-11-02T00:06:57.344" v="21"/>
-          <ac:inkMkLst>
-            <pc:docMk/>
-            <pc:sldMk cId="799286380" sldId="366"/>
-            <ac:inkMk id="88" creationId="{FFEB4125-E088-4042-9F19-3555DAAEE3F0}"/>
-          </ac:inkMkLst>
-        </pc:inkChg>
-        <pc:inkChg chg="del mod">
-          <ac:chgData name="Brian Wright" userId="96d5632f86e1cb83" providerId="LiveId" clId="{AF7DFD64-1B81-4C89-AD01-571CFB44964D}" dt="2020-11-02T00:06:57.343" v="18"/>
-          <ac:inkMkLst>
-            <pc:docMk/>
-            <pc:sldMk cId="799286380" sldId="366"/>
-            <ac:inkMk id="90" creationId="{EBF03FB8-FC66-4AF9-8B5D-1A7CA904287F}"/>
-          </ac:inkMkLst>
-        </pc:inkChg>
-        <pc:inkChg chg="del mod">
-          <ac:chgData name="Brian Wright" userId="96d5632f86e1cb83" providerId="LiveId" clId="{AF7DFD64-1B81-4C89-AD01-571CFB44964D}" dt="2020-11-02T00:06:57.340" v="14"/>
-          <ac:inkMkLst>
-            <pc:docMk/>
-            <pc:sldMk cId="799286380" sldId="366"/>
-            <ac:inkMk id="91" creationId="{9F79F1A2-C276-4905-BE64-A312F2698AEF}"/>
-          </ac:inkMkLst>
-        </pc:inkChg>
-        <pc:inkChg chg="del mod">
-          <ac:chgData name="Brian Wright" userId="96d5632f86e1cb83" providerId="LiveId" clId="{AF7DFD64-1B81-4C89-AD01-571CFB44964D}" dt="2020-11-02T00:06:57.339" v="12"/>
-          <ac:inkMkLst>
-            <pc:docMk/>
-            <pc:sldMk cId="799286380" sldId="366"/>
-            <ac:inkMk id="92" creationId="{B4565CBA-E42A-4865-A8A3-CCA4FAF96AAE}"/>
-          </ac:inkMkLst>
-        </pc:inkChg>
-        <pc:inkChg chg="del mod">
-          <ac:chgData name="Brian Wright" userId="96d5632f86e1cb83" providerId="LiveId" clId="{AF7DFD64-1B81-4C89-AD01-571CFB44964D}" dt="2020-11-02T00:06:57.337" v="7"/>
-          <ac:inkMkLst>
-            <pc:docMk/>
-            <pc:sldMk cId="799286380" sldId="366"/>
-            <ac:inkMk id="93" creationId="{C55ADD64-04FF-4F86-BFF9-EEB06E4BF033}"/>
-          </ac:inkMkLst>
-        </pc:inkChg>
-        <pc:inkChg chg="del mod">
-          <ac:chgData name="Brian Wright" userId="96d5632f86e1cb83" providerId="LiveId" clId="{AF7DFD64-1B81-4C89-AD01-571CFB44964D}" dt="2020-11-02T00:06:57.344" v="22"/>
-          <ac:inkMkLst>
-            <pc:docMk/>
-            <pc:sldMk cId="799286380" sldId="366"/>
-            <ac:inkMk id="94" creationId="{3425C1D4-ECB9-438D-8801-9340C5458B9A}"/>
-          </ac:inkMkLst>
-        </pc:inkChg>
-        <pc:inkChg chg="del">
-          <ac:chgData name="Brian Wright" userId="96d5632f86e1cb83" providerId="LiveId" clId="{AF7DFD64-1B81-4C89-AD01-571CFB44964D}" dt="2020-11-02T00:06:57.346" v="25"/>
-          <ac:inkMkLst>
-            <pc:docMk/>
-            <pc:sldMk cId="799286380" sldId="366"/>
-            <ac:inkMk id="96" creationId="{4907C457-BD75-48F5-88E8-D61D2F3AFD38}"/>
-          </ac:inkMkLst>
-        </pc:inkChg>
-        <pc:inkChg chg="del mod">
-          <ac:chgData name="Brian Wright" userId="96d5632f86e1cb83" providerId="LiveId" clId="{AF7DFD64-1B81-4C89-AD01-571CFB44964D}" dt="2020-11-02T00:06:57.347" v="27"/>
-          <ac:inkMkLst>
-            <pc:docMk/>
-            <pc:sldMk cId="799286380" sldId="366"/>
-            <ac:inkMk id="98" creationId="{DDC96D1B-9983-4AB6-965B-5632C3DBC389}"/>
-          </ac:inkMkLst>
-        </pc:inkChg>
-        <pc:inkChg chg="del mod">
-          <ac:chgData name="Brian Wright" userId="96d5632f86e1cb83" providerId="LiveId" clId="{AF7DFD64-1B81-4C89-AD01-571CFB44964D}" dt="2020-11-02T00:06:57.348" v="29"/>
-          <ac:inkMkLst>
-            <pc:docMk/>
-            <pc:sldMk cId="799286380" sldId="366"/>
-            <ac:inkMk id="99" creationId="{3EEC254A-1435-4B70-A927-A4AF6340A77A}"/>
-          </ac:inkMkLst>
-        </pc:inkChg>
-        <pc:inkChg chg="del mod">
-          <ac:chgData name="Brian Wright" userId="96d5632f86e1cb83" providerId="LiveId" clId="{AF7DFD64-1B81-4C89-AD01-571CFB44964D}" dt="2020-11-02T00:06:57.338" v="8"/>
-          <ac:inkMkLst>
-            <pc:docMk/>
-            <pc:sldMk cId="799286380" sldId="366"/>
-            <ac:inkMk id="100" creationId="{5E499CBD-5CF2-47E7-B8AD-78CFF0E78DD3}"/>
-          </ac:inkMkLst>
-        </pc:inkChg>
-        <pc:inkChg chg="del">
-          <ac:chgData name="Brian Wright" userId="96d5632f86e1cb83" providerId="LiveId" clId="{AF7DFD64-1B81-4C89-AD01-571CFB44964D}" dt="2020-11-02T00:06:57.332" v="2"/>
-          <ac:inkMkLst>
-            <pc:docMk/>
-            <pc:sldMk cId="799286380" sldId="366"/>
-            <ac:inkMk id="101" creationId="{F3553B5F-0FD5-4C31-B7D6-9A628D72108A}"/>
-          </ac:inkMkLst>
-        </pc:inkChg>
-        <pc:inkChg chg="del mod">
-          <ac:chgData name="Brian Wright" userId="96d5632f86e1cb83" providerId="LiveId" clId="{AF7DFD64-1B81-4C89-AD01-571CFB44964D}" dt="2020-11-02T00:06:57.351" v="32"/>
-          <ac:inkMkLst>
-            <pc:docMk/>
-            <pc:sldMk cId="799286380" sldId="366"/>
-            <ac:inkMk id="103" creationId="{F2047F7B-0008-4F89-A437-548D1D84871E}"/>
-          </ac:inkMkLst>
-        </pc:inkChg>
-        <pc:inkChg chg="del">
-          <ac:chgData name="Brian Wright" userId="96d5632f86e1cb83" providerId="LiveId" clId="{AF7DFD64-1B81-4C89-AD01-571CFB44964D}" dt="2020-11-02T00:06:57.341" v="15"/>
-          <ac:inkMkLst>
-            <pc:docMk/>
-            <pc:sldMk cId="799286380" sldId="366"/>
-            <ac:inkMk id="104" creationId="{B0FEBF09-A50B-40D1-B5E9-CB1DF96BCC75}"/>
-          </ac:inkMkLst>
-        </pc:inkChg>
-        <pc:inkChg chg="del mod">
-          <ac:chgData name="Brian Wright" userId="96d5632f86e1cb83" providerId="LiveId" clId="{AF7DFD64-1B81-4C89-AD01-571CFB44964D}" dt="2020-11-02T00:06:57.345" v="24"/>
-          <ac:inkMkLst>
-            <pc:docMk/>
-            <pc:sldMk cId="799286380" sldId="366"/>
-            <ac:inkMk id="106" creationId="{1A1D5035-91BF-4DD7-B880-F256662D928E}"/>
-          </ac:inkMkLst>
-        </pc:inkChg>
-        <pc:inkChg chg="del">
-          <ac:chgData name="Brian Wright" userId="96d5632f86e1cb83" providerId="LiveId" clId="{AF7DFD64-1B81-4C89-AD01-571CFB44964D}" dt="2020-11-02T00:06:57.345" v="23"/>
-          <ac:inkMkLst>
-            <pc:docMk/>
-            <pc:sldMk cId="799286380" sldId="366"/>
-            <ac:inkMk id="107" creationId="{0F5FFA2C-F45D-4615-8931-0D22AFB4B98A}"/>
-          </ac:inkMkLst>
-        </pc:inkChg>
-      </pc:sldChg>
-    </pc:docChg>
-  </pc:docChgLst>
-  <pc:docChgLst>
-    <pc:chgData name="Brian Wright" userId="96d5632f86e1cb83" providerId="LiveId" clId="{434F6939-06D8-4E20-BB0B-6C7702416FA2}"/>
-    <pc:docChg chg="modSld">
-      <pc:chgData name="Brian Wright" userId="96d5632f86e1cb83" providerId="LiveId" clId="{434F6939-06D8-4E20-BB0B-6C7702416FA2}" dt="2020-07-17T19:10:54.185" v="6" actId="20577"/>
-      <pc:docMkLst>
-        <pc:docMk/>
-      </pc:docMkLst>
-      <pc:sldChg chg="modSp mod">
-        <pc:chgData name="Brian Wright" userId="96d5632f86e1cb83" providerId="LiveId" clId="{434F6939-06D8-4E20-BB0B-6C7702416FA2}" dt="2020-07-17T19:10:54.185" v="6" actId="20577"/>
-        <pc:sldMkLst>
-          <pc:docMk/>
-          <pc:sldMk cId="4011808980" sldId="259"/>
-        </pc:sldMkLst>
-        <pc:spChg chg="mod">
-          <ac:chgData name="Brian Wright" userId="96d5632f86e1cb83" providerId="LiveId" clId="{434F6939-06D8-4E20-BB0B-6C7702416FA2}" dt="2020-07-17T19:10:54.185" v="6" actId="20577"/>
-          <ac:spMkLst>
-            <pc:docMk/>
-            <pc:sldMk cId="4011808980" sldId="259"/>
-            <ac:spMk id="5" creationId="{00000000-0000-0000-0000-000000000000}"/>
-          </ac:spMkLst>
-        </pc:spChg>
-      </pc:sldChg>
-    </pc:docChg>
-  </pc:docChgLst>
 </pc:chgInfo>
 </file>
 
@@ -1870,7 +1870,7 @@
           <a:p>
             <a:fld id="{997E69A2-4EEA-4DEA-A8BF-0FD2401467C4}" type="datetimeFigureOut">
               <a:rPr lang="en-US" smtClean="0"/>
-              <a:t>12/1/2021</a:t>
+              <a:t>4/20/2022</a:t>
             </a:fld>
             <a:endParaRPr lang="en-US"/>
           </a:p>
@@ -2128,7 +2128,7 @@
           <a:p>
             <a:fld id="{282D4560-DC19-44DC-A229-B1CDFA2995E4}" type="datetimeFigureOut">
               <a:rPr lang="en-US" smtClean="0"/>
-              <a:t>12/1/2021</a:t>
+              <a:t>4/20/2022</a:t>
             </a:fld>
             <a:endParaRPr lang="en-US"/>
           </a:p>
@@ -2608,7 +2608,7 @@
           <a:p>
             <a:fld id="{726FFE6C-414C-4391-B6A2-C93F598CDA73}" type="datetimeFigureOut">
               <a:rPr lang="en-US" smtClean="0"/>
-              <a:t>12/1/2021</a:t>
+              <a:t>4/20/2022</a:t>
             </a:fld>
             <a:endParaRPr lang="en-US"/>
           </a:p>
@@ -2776,7 +2776,7 @@
           <a:p>
             <a:fld id="{726FFE6C-414C-4391-B6A2-C93F598CDA73}" type="datetimeFigureOut">
               <a:rPr lang="en-US" smtClean="0"/>
-              <a:t>12/1/2021</a:t>
+              <a:t>4/20/2022</a:t>
             </a:fld>
             <a:endParaRPr lang="en-US"/>
           </a:p>
@@ -2954,7 +2954,7 @@
           <a:p>
             <a:fld id="{726FFE6C-414C-4391-B6A2-C93F598CDA73}" type="datetimeFigureOut">
               <a:rPr lang="en-US" smtClean="0"/>
-              <a:t>12/1/2021</a:t>
+              <a:t>4/20/2022</a:t>
             </a:fld>
             <a:endParaRPr lang="en-US"/>
           </a:p>
@@ -3122,7 +3122,7 @@
           <a:p>
             <a:fld id="{726FFE6C-414C-4391-B6A2-C93F598CDA73}" type="datetimeFigureOut">
               <a:rPr lang="en-US" smtClean="0"/>
-              <a:t>12/1/2021</a:t>
+              <a:t>4/20/2022</a:t>
             </a:fld>
             <a:endParaRPr lang="en-US"/>
           </a:p>
@@ -3367,7 +3367,7 @@
           <a:p>
             <a:fld id="{726FFE6C-414C-4391-B6A2-C93F598CDA73}" type="datetimeFigureOut">
               <a:rPr lang="en-US" smtClean="0"/>
-              <a:t>12/1/2021</a:t>
+              <a:t>4/20/2022</a:t>
             </a:fld>
             <a:endParaRPr lang="en-US"/>
           </a:p>
@@ -3596,7 +3596,7 @@
           <a:p>
             <a:fld id="{726FFE6C-414C-4391-B6A2-C93F598CDA73}" type="datetimeFigureOut">
               <a:rPr lang="en-US" smtClean="0"/>
-              <a:t>12/1/2021</a:t>
+              <a:t>4/20/2022</a:t>
             </a:fld>
             <a:endParaRPr lang="en-US"/>
           </a:p>
@@ -3960,7 +3960,7 @@
           <a:p>
             <a:fld id="{726FFE6C-414C-4391-B6A2-C93F598CDA73}" type="datetimeFigureOut">
               <a:rPr lang="en-US" smtClean="0"/>
-              <a:t>12/1/2021</a:t>
+              <a:t>4/20/2022</a:t>
             </a:fld>
             <a:endParaRPr lang="en-US"/>
           </a:p>
@@ -4077,7 +4077,7 @@
           <a:p>
             <a:fld id="{726FFE6C-414C-4391-B6A2-C93F598CDA73}" type="datetimeFigureOut">
               <a:rPr lang="en-US" smtClean="0"/>
-              <a:t>12/1/2021</a:t>
+              <a:t>4/20/2022</a:t>
             </a:fld>
             <a:endParaRPr lang="en-US"/>
           </a:p>
@@ -4172,7 +4172,7 @@
           <a:p>
             <a:fld id="{726FFE6C-414C-4391-B6A2-C93F598CDA73}" type="datetimeFigureOut">
               <a:rPr lang="en-US" smtClean="0"/>
-              <a:t>12/1/2021</a:t>
+              <a:t>4/20/2022</a:t>
             </a:fld>
             <a:endParaRPr lang="en-US"/>
           </a:p>
@@ -4447,7 +4447,7 @@
           <a:p>
             <a:fld id="{726FFE6C-414C-4391-B6A2-C93F598CDA73}" type="datetimeFigureOut">
               <a:rPr lang="en-US" smtClean="0"/>
-              <a:t>12/1/2021</a:t>
+              <a:t>4/20/2022</a:t>
             </a:fld>
             <a:endParaRPr lang="en-US"/>
           </a:p>
@@ -4699,7 +4699,7 @@
           <a:p>
             <a:fld id="{726FFE6C-414C-4391-B6A2-C93F598CDA73}" type="datetimeFigureOut">
               <a:rPr lang="en-US" smtClean="0"/>
-              <a:t>12/1/2021</a:t>
+              <a:t>4/20/2022</a:t>
             </a:fld>
             <a:endParaRPr lang="en-US"/>
           </a:p>
@@ -4910,7 +4910,7 @@
           <a:p>
             <a:fld id="{726FFE6C-414C-4391-B6A2-C93F598CDA73}" type="datetimeFigureOut">
               <a:rPr lang="en-US" smtClean="0"/>
-              <a:t>12/1/2021</a:t>
+              <a:t>4/20/2022</a:t>
             </a:fld>
             <a:endParaRPr lang="en-US"/>
           </a:p>
@@ -5441,7 +5441,7 @@
         <p:spPr>
           <a:xfrm>
             <a:off x="232450" y="1649360"/>
-            <a:ext cx="11229975" cy="2616101"/>
+            <a:ext cx="11229975" cy="2185214"/>
           </a:xfrm>
           <a:prstGeom prst="rect">
             <a:avLst/>
@@ -5486,16 +5486,6 @@
               <a:latin typeface="Times New Roman" panose="02020603050405020304" pitchFamily="18" charset="0"/>
               <a:cs typeface="Times New Roman" panose="02020603050405020304" pitchFamily="18" charset="0"/>
             </a:endParaRPr>
-          </a:p>
-          <a:p>
-            <a:pPr algn="ctr"/>
-            <a:r>
-              <a:rPr lang="en-US" sz="2800" dirty="0">
-                <a:latin typeface="Times New Roman" panose="02020603050405020304" pitchFamily="18" charset="0"/>
-                <a:cs typeface="Times New Roman" panose="02020603050405020304" pitchFamily="18" charset="0"/>
-              </a:rPr>
-              <a:t>Week 10</a:t>
-            </a:r>
           </a:p>
           <a:p>
             <a:pPr algn="ctr"/>
@@ -12822,7 +12812,7 @@
           <p:nvPr/>
         </p:nvPicPr>
         <p:blipFill>
-          <a:blip r:embed="rId2">
+          <a:blip r:embed="rId2" cstate="print">
             <a:extLst>
               <a:ext uri="{28A0092B-C50C-407E-A947-70E740481C1C}">
                 <a14:useLocalDpi xmlns:a14="http://schemas.microsoft.com/office/drawing/2010/main" val="0"/>
